--- a/Sample/pre/template.pptx
+++ b/Sample/pre/template.pptx
@@ -7,7 +7,6 @@
   <p:sldIdLst>
     <p:sldId id="257" r:id="rId2"/>
     <p:sldId id="258" r:id="rId3"/>
-    <p:sldId id="259" r:id="rId4"/>
   </p:sldIdLst>
   <p:sldSz cx="12192000" cy="6858000"/>
   <p:notesSz cx="6858000" cy="9144000"/>
@@ -995,7 +994,7 @@
                 <a:ea typeface="+mn-ea"/>
                 <a:cs typeface="+mn-cs"/>
               </a:rPr>
-              <a:t>Zhe Zhang, SSE, 2020</a:t>
+              <a:t>Zhe ZHANG, SSE, 2020</a:t>
             </a:r>
             <a:endParaRPr kumimoji="1" lang="zh-CN" altLang="en-US" sz="2400" b="0" i="0" u="none" strike="noStrike" kern="1200" cap="none" spc="0" normalizeH="0" baseline="0" noProof="0" dirty="0">
               <a:ln>
@@ -4147,61 +4146,6 @@
 </p:sld>
 </file>
 
-<file path=ppt/slides/slide3.xml><?xml version="1.0" encoding="utf-8"?>
-<p:sld xmlns:a="http://schemas.openxmlformats.org/drawingml/2006/main" xmlns:r="http://schemas.openxmlformats.org/officeDocument/2006/relationships" xmlns:p="http://schemas.openxmlformats.org/presentationml/2006/main">
-  <p:cSld>
-    <p:spTree>
-      <p:nvGrpSpPr>
-        <p:cNvPr id="1" name=""/>
-        <p:cNvGrpSpPr/>
-        <p:nvPr/>
-      </p:nvGrpSpPr>
-      <p:grpSpPr>
-        <a:xfrm>
-          <a:off x="0" y="0"/>
-          <a:ext cx="0" cy="0"/>
-          <a:chOff x="0" y="0"/>
-          <a:chExt cx="0" cy="0"/>
-        </a:xfrm>
-      </p:grpSpPr>
-      <p:sp>
-        <p:nvSpPr>
-          <p:cNvPr id="2" name="标题 1">
-            <a:extLst>
-              <a:ext uri="{FF2B5EF4-FFF2-40B4-BE49-F238E27FC236}">
-                <a16:creationId xmlns:a16="http://schemas.microsoft.com/office/drawing/2014/main" id="{B01C038A-1BF4-AA47-8AAB-5921EDB60560}"/>
-              </a:ext>
-            </a:extLst>
-          </p:cNvPr>
-          <p:cNvSpPr>
-            <a:spLocks noGrp="1"/>
-          </p:cNvSpPr>
-          <p:nvPr>
-            <p:ph type="title"/>
-          </p:nvPr>
-        </p:nvSpPr>
-        <p:spPr/>
-        <p:txBody>
-          <a:bodyPr/>
-          <a:lstStyle/>
-          <a:p>
-            <a:endParaRPr kumimoji="1" lang="zh-CN" altLang="en-US"/>
-          </a:p>
-        </p:txBody>
-      </p:sp>
-    </p:spTree>
-    <p:extLst>
-      <p:ext uri="{BB962C8B-B14F-4D97-AF65-F5344CB8AC3E}">
-        <p14:creationId xmlns:p14="http://schemas.microsoft.com/office/powerpoint/2010/main" val="647253493"/>
-      </p:ext>
-    </p:extLst>
-  </p:cSld>
-  <p:clrMapOvr>
-    <a:masterClrMapping/>
-  </p:clrMapOvr>
-</p:sld>
-</file>
-
 <file path=ppt/theme/theme1.xml><?xml version="1.0" encoding="utf-8"?>
 <a:theme xmlns:a="http://schemas.openxmlformats.org/drawingml/2006/main" name="Office 主题​​">
   <a:themeElements>

--- a/Sample/pre/template.pptx
+++ b/Sample/pre/template.pptx
@@ -795,7 +795,7 @@
           </a:bodyPr>
           <a:lstStyle>
             <a:lvl1pPr>
-              <a:defRPr sz="3200">
+              <a:defRPr sz="2800">
                 <a:latin typeface="Hiragino Mincho ProN W3" panose="02020300000000000000" pitchFamily="18" charset="-128"/>
                 <a:ea typeface="Hiragino Mincho ProN W3" panose="02020300000000000000" pitchFamily="18" charset="-128"/>
               </a:defRPr>
